--- a/PPT/02_向量加减法与标量运算C++实践练习.pptx
+++ b/PPT/02_向量加减法与标量运算C++实践练习.pptx
@@ -326,7 +326,7 @@
               <a:pPr>
                 <a:defRPr/>
               </a:pPr>
-              <a:t>2017/8/12</a:t>
+              <a:t>2017/8/13</a:t>
             </a:fld>
             <a:endParaRPr lang="zh-CN" altLang="en-US" sz="1200"/>
           </a:p>
